--- a/Steinerbaum/Steinerbaum_1.pptx
+++ b/Steinerbaum/Steinerbaum_1.pptx
@@ -5,11 +5,12 @@
     <p:sldMasterId id="2147483648" r:id="rId1"/>
   </p:sldMasterIdLst>
   <p:notesMasterIdLst>
-    <p:notesMasterId r:id="rId4"/>
+    <p:notesMasterId r:id="rId5"/>
   </p:notesMasterIdLst>
   <p:sldIdLst>
     <p:sldId id="256" r:id="rId2"/>
     <p:sldId id="257" r:id="rId3"/>
+    <p:sldId id="258" r:id="rId4"/>
   </p:sldIdLst>
   <p:sldSz cx="12192000" cy="6858000"/>
   <p:notesSz cx="6858000" cy="9144000"/>
@@ -4571,7 +4572,7 @@
         <p:spPr/>
         <p:txBody>
           <a:bodyPr>
-            <a:normAutofit/>
+            <a:normAutofit lnSpcReduction="10000"/>
           </a:bodyPr>
           <a:lstStyle/>
           <a:p>
@@ -4579,6 +4580,16 @@
               <a:rPr lang="de-DE" dirty="0" smtClean="0"/>
               <a:t>Das Problem</a:t>
             </a:r>
+          </a:p>
+          <a:p>
+            <a:endParaRPr lang="de-DE" dirty="0" smtClean="0"/>
+          </a:p>
+          <a:p>
+            <a:r>
+              <a:rPr lang="de-DE" dirty="0" smtClean="0"/>
+              <a:t>Praxisrelevanz</a:t>
+            </a:r>
+            <a:endParaRPr lang="de-DE" dirty="0" smtClean="0"/>
           </a:p>
           <a:p>
             <a:endParaRPr lang="de-DE" dirty="0" smtClean="0"/>
@@ -4684,6 +4695,206 @@
     <p:extLst>
       <p:ext uri="{BB962C8B-B14F-4D97-AF65-F5344CB8AC3E}">
         <p14:creationId xmlns:p14="http://schemas.microsoft.com/office/powerpoint/2010/main" val="2376792185"/>
+      </p:ext>
+    </p:extLst>
+  </p:cSld>
+  <p:clrMapOvr>
+    <a:masterClrMapping/>
+  </p:clrMapOvr>
+</p:sld>
+</file>
+
+<file path=ppt/slides/slide3.xml><?xml version="1.0" encoding="utf-8"?>
+<p:sld xmlns:a="http://schemas.openxmlformats.org/drawingml/2006/main" xmlns:r="http://schemas.openxmlformats.org/officeDocument/2006/relationships" xmlns:p="http://schemas.openxmlformats.org/presentationml/2006/main">
+  <p:cSld>
+    <p:spTree>
+      <p:nvGrpSpPr>
+        <p:cNvPr id="1" name=""/>
+        <p:cNvGrpSpPr/>
+        <p:nvPr/>
+      </p:nvGrpSpPr>
+      <p:grpSpPr>
+        <a:xfrm>
+          <a:off x="0" y="0"/>
+          <a:ext cx="0" cy="0"/>
+          <a:chOff x="0" y="0"/>
+          <a:chExt cx="0" cy="0"/>
+        </a:xfrm>
+      </p:grpSpPr>
+      <p:sp>
+        <p:nvSpPr>
+          <p:cNvPr id="7" name="Titel 6"/>
+          <p:cNvSpPr>
+            <a:spLocks noGrp="1"/>
+          </p:cNvSpPr>
+          <p:nvPr>
+            <p:ph type="title"/>
+          </p:nvPr>
+        </p:nvSpPr>
+        <p:spPr/>
+        <p:txBody>
+          <a:bodyPr/>
+          <a:lstStyle/>
+          <a:p>
+            <a:r>
+              <a:rPr lang="de-DE" dirty="0" smtClean="0"/>
+              <a:t>Das Problem</a:t>
+            </a:r>
+            <a:endParaRPr lang="de-DE" dirty="0"/>
+          </a:p>
+        </p:txBody>
+      </p:sp>
+      <p:pic>
+        <p:nvPicPr>
+          <p:cNvPr id="33" name="Inhaltsplatzhalter 32"/>
+          <p:cNvPicPr>
+            <a:picLocks noGrp="1" noChangeAspect="1"/>
+          </p:cNvPicPr>
+          <p:nvPr>
+            <p:ph sz="quarter" idx="12"/>
+          </p:nvPr>
+        </p:nvPicPr>
+        <p:blipFill>
+          <a:blip r:embed="rId2">
+            <a:extLst>
+              <a:ext uri="{28A0092B-C50C-407E-A947-70E740481C1C}">
+                <a14:useLocalDpi xmlns:a14="http://schemas.microsoft.com/office/drawing/2010/main" val="0"/>
+              </a:ext>
+            </a:extLst>
+          </a:blip>
+          <a:stretch>
+            <a:fillRect/>
+          </a:stretch>
+        </p:blipFill>
+        <p:spPr>
+          <a:xfrm>
+            <a:off x="6451599" y="1255122"/>
+            <a:ext cx="5112977" cy="3429439"/>
+          </a:xfrm>
+        </p:spPr>
+      </p:pic>
+      <p:sp>
+        <p:nvSpPr>
+          <p:cNvPr id="10" name="Inhaltsplatzhalter 9"/>
+          <p:cNvSpPr>
+            <a:spLocks noGrp="1"/>
+          </p:cNvSpPr>
+          <p:nvPr>
+            <p:ph sz="quarter" idx="13"/>
+          </p:nvPr>
+        </p:nvSpPr>
+        <p:spPr/>
+        <p:txBody>
+          <a:bodyPr/>
+          <a:lstStyle/>
+          <a:p>
+            <a:endParaRPr lang="de-DE"/>
+          </a:p>
+        </p:txBody>
+      </p:sp>
+      <p:sp>
+        <p:nvSpPr>
+          <p:cNvPr id="11" name="Inhaltsplatzhalter 10"/>
+          <p:cNvSpPr>
+            <a:spLocks noGrp="1"/>
+          </p:cNvSpPr>
+          <p:nvPr>
+            <p:ph sz="quarter" idx="14"/>
+          </p:nvPr>
+        </p:nvSpPr>
+        <p:spPr/>
+        <p:txBody>
+          <a:bodyPr/>
+          <a:lstStyle/>
+          <a:p>
+            <a:endParaRPr lang="de-DE"/>
+          </a:p>
+        </p:txBody>
+      </p:sp>
+      <p:sp>
+        <p:nvSpPr>
+          <p:cNvPr id="12" name="Textplatzhalter 11"/>
+          <p:cNvSpPr>
+            <a:spLocks noGrp="1"/>
+          </p:cNvSpPr>
+          <p:nvPr>
+            <p:ph type="body" sz="quarter" idx="15"/>
+          </p:nvPr>
+        </p:nvSpPr>
+        <p:spPr/>
+        <p:txBody>
+          <a:bodyPr/>
+          <a:lstStyle/>
+          <a:p>
+            <a:endParaRPr lang="de-DE"/>
+          </a:p>
+        </p:txBody>
+      </p:sp>
+      <p:sp>
+        <p:nvSpPr>
+          <p:cNvPr id="13" name="Textplatzhalter 12"/>
+          <p:cNvSpPr>
+            <a:spLocks noGrp="1"/>
+          </p:cNvSpPr>
+          <p:nvPr>
+            <p:ph type="body" sz="quarter" idx="16"/>
+          </p:nvPr>
+        </p:nvSpPr>
+        <p:spPr/>
+        <p:txBody>
+          <a:bodyPr/>
+          <a:lstStyle/>
+          <a:p>
+            <a:endParaRPr lang="de-DE" dirty="0"/>
+          </a:p>
+        </p:txBody>
+      </p:sp>
+      <p:sp>
+        <p:nvSpPr>
+          <p:cNvPr id="17" name="Inhaltsplatzhalter 16"/>
+          <p:cNvSpPr>
+            <a:spLocks noGrp="1"/>
+          </p:cNvSpPr>
+          <p:nvPr>
+            <p:ph idx="1"/>
+          </p:nvPr>
+        </p:nvSpPr>
+        <p:spPr>
+          <a:xfrm>
+            <a:off x="899886" y="1632832"/>
+            <a:ext cx="5742214" cy="4539368"/>
+          </a:xfrm>
+        </p:spPr>
+        <p:txBody>
+          <a:bodyPr/>
+          <a:lstStyle/>
+          <a:p>
+            <a:r>
+              <a:rPr lang="de-DE" dirty="0" smtClean="0"/>
+              <a:t>Verallgemeinerung des minimalen Spannbaums</a:t>
+            </a:r>
+          </a:p>
+          <a:p>
+            <a:endParaRPr lang="de-DE" dirty="0" smtClean="0"/>
+          </a:p>
+          <a:p>
+            <a:r>
+              <a:rPr lang="de-DE" dirty="0" smtClean="0"/>
+              <a:t>Erweiterung durch Steinerpunkte (Nichtterminale)</a:t>
+            </a:r>
+          </a:p>
+          <a:p>
+            <a:endParaRPr lang="de-DE" dirty="0" smtClean="0"/>
+          </a:p>
+          <a:p>
+            <a:endParaRPr lang="de-DE" dirty="0"/>
+          </a:p>
+        </p:txBody>
+      </p:sp>
+    </p:spTree>
+    <p:extLst>
+      <p:ext uri="{BB962C8B-B14F-4D97-AF65-F5344CB8AC3E}">
+        <p14:creationId xmlns:p14="http://schemas.microsoft.com/office/powerpoint/2010/main" val="602770770"/>
       </p:ext>
     </p:extLst>
   </p:cSld>
